--- a/Documentacao/trabalho_certo.pptx
+++ b/Documentacao/trabalho_certo.pptx
@@ -118,7 +118,7 @@
   </p:defaultTextStyle>
   <p:extLst>
     <p:ext uri="{EFAFB233-063F-42B5-8137-9DF3F51BA10A}">
-      <p15:sldGuideLst xmlns:p15="http://schemas.microsoft.com/office/powerpoint/2012/main" xmlns="">
+      <p15:sldGuideLst xmlns="" xmlns:p15="http://schemas.microsoft.com/office/powerpoint/2012/main">
         <p15:guide id="1" orient="horz" pos="2160">
           <p15:clr>
             <a:srgbClr val="A4A3A4"/>
@@ -8031,12 +8031,36 @@
                 <a:latin typeface="Times New Roman" panose="02020603050405020304" pitchFamily="18" charset="0"/>
                 <a:cs typeface="Times New Roman" panose="02020603050405020304" pitchFamily="18" charset="0"/>
               </a:rPr>
-              <a:t>Entrega:  de 2 a 3 meses.</a:t>
+              <a:t>Entrega:  de </a:t>
             </a:r>
-            <a:endParaRPr lang="pt-BR" dirty="0" smtClean="0">
-              <a:latin typeface="Times New Roman" panose="02020603050405020304" pitchFamily="18" charset="0"/>
-              <a:cs typeface="Times New Roman" panose="02020603050405020304" pitchFamily="18" charset="0"/>
-            </a:endParaRPr>
+            <a:r>
+              <a:rPr lang="pt-BR" dirty="0" smtClean="0">
+                <a:latin typeface="Times New Roman" panose="02020603050405020304" pitchFamily="18" charset="0"/>
+                <a:cs typeface="Times New Roman" panose="02020603050405020304" pitchFamily="18" charset="0"/>
+              </a:rPr>
+              <a:t>5 </a:t>
+            </a:r>
+            <a:r>
+              <a:rPr lang="pt-BR" dirty="0" smtClean="0">
+                <a:latin typeface="Times New Roman" panose="02020603050405020304" pitchFamily="18" charset="0"/>
+                <a:cs typeface="Times New Roman" panose="02020603050405020304" pitchFamily="18" charset="0"/>
+              </a:rPr>
+              <a:t>a </a:t>
+            </a:r>
+            <a:r>
+              <a:rPr lang="pt-BR" dirty="0" smtClean="0">
+                <a:latin typeface="Times New Roman" panose="02020603050405020304" pitchFamily="18" charset="0"/>
+                <a:cs typeface="Times New Roman" panose="02020603050405020304" pitchFamily="18" charset="0"/>
+              </a:rPr>
+              <a:t>6 </a:t>
+            </a:r>
+            <a:r>
+              <a:rPr lang="pt-BR" dirty="0" smtClean="0">
+                <a:latin typeface="Times New Roman" panose="02020603050405020304" pitchFamily="18" charset="0"/>
+                <a:cs typeface="Times New Roman" panose="02020603050405020304" pitchFamily="18" charset="0"/>
+              </a:rPr>
+              <a:t>meses.</a:t>
+            </a:r>
           </a:p>
           <a:p>
             <a:pPr marL="742950" lvl="1" indent="-285750">
@@ -8045,8 +8069,8 @@
             </a:pPr>
             <a:r>
               <a:rPr lang="pt-BR" dirty="0" smtClean="0">
-                <a:latin typeface="Times New Roman" pitchFamily="18" charset="0"/>
-                <a:cs typeface="Times New Roman" pitchFamily="18" charset="0"/>
+                <a:latin typeface="Times New Roman" panose="02020603050405020304" pitchFamily="18" charset="0"/>
+                <a:cs typeface="Times New Roman" panose="02020603050405020304" pitchFamily="18" charset="0"/>
               </a:rPr>
               <a:t>R. confiabilidade: </a:t>
             </a:r>
@@ -8095,14 +8119,7 @@
                 <a:latin typeface="Times New Roman" panose="02020603050405020304" pitchFamily="18" charset="0"/>
                 <a:cs typeface="Times New Roman" panose="02020603050405020304" pitchFamily="18" charset="0"/>
               </a:rPr>
-              <a:t>R. éticos: </a:t>
-            </a:r>
-            <a:r>
-              <a:rPr lang="pt-BR" dirty="0" smtClean="0">
-                <a:latin typeface="Times New Roman" pitchFamily="18" charset="0"/>
-                <a:cs typeface="Times New Roman" pitchFamily="18" charset="0"/>
-              </a:rPr>
-              <a:t>o sistema não apresentará aos usuários quaisquer dados de cunho privativo</a:t>
+              <a:t>R. éticos: o sistema não apresentará aos usuários quaisquer dados de cunho privativo</a:t>
             </a:r>
           </a:p>
           <a:p>
@@ -8112,8 +8129,8 @@
             </a:pPr>
             <a:r>
               <a:rPr lang="pt-BR" dirty="0" smtClean="0">
-                <a:latin typeface="Times New Roman" pitchFamily="18" charset="0"/>
-                <a:cs typeface="Times New Roman" pitchFamily="18" charset="0"/>
+                <a:latin typeface="Times New Roman" panose="02020603050405020304" pitchFamily="18" charset="0"/>
+                <a:cs typeface="Times New Roman" panose="02020603050405020304" pitchFamily="18" charset="0"/>
               </a:rPr>
               <a:t>R. legais: o </a:t>
             </a:r>
@@ -30998,7 +31015,7 @@
   <a:extraClrSchemeLst/>
   <a:extLst>
     <a:ext uri="{05A4C25C-085E-4340-85A3-A5531E510DB2}">
-      <thm15:themeFamily xmlns:thm15="http://schemas.microsoft.com/office/thememl/2012/main" xmlns="" name="Main Event" id="{AC372BB4-D83D-411E-B849-B641926BA760}" vid="{F1EFBDE3-1A95-4E3D-81AD-1F53D65BEA01}"/>
+      <thm15:themeFamily xmlns="" xmlns:thm15="http://schemas.microsoft.com/office/thememl/2012/main" name="Main Event" id="{AC372BB4-D83D-411E-B849-B641926BA760}" vid="{F1EFBDE3-1A95-4E3D-81AD-1F53D65BEA01}"/>
     </a:ext>
   </a:extLst>
 </a:theme>
